--- a/presentation.pptx
+++ b/presentation.pptx
@@ -3696,8 +3696,13 @@
           <a:p>
             <a:r>
               <a:rPr lang="de-DE" dirty="0"/>
-              <a:t>People</a:t>
-            </a:r>
+              <a:t>People </a:t>
+            </a:r>
+            <a:r>
+              <a:rPr lang="de-DE" dirty="0" err="1"/>
+              <a:t>attributes</a:t>
+            </a:r>
+            <a:endParaRPr lang="de-DE" dirty="0"/>
           </a:p>
         </p:txBody>
       </p:sp>
@@ -3823,8 +3828,13 @@
           <a:p>
             <a:r>
               <a:rPr lang="de-DE" dirty="0"/>
-              <a:t>Elevator</a:t>
-            </a:r>
+              <a:t>Elevator </a:t>
+            </a:r>
+            <a:r>
+              <a:rPr lang="de-DE" dirty="0" err="1"/>
+              <a:t>attributes</a:t>
+            </a:r>
+            <a:endParaRPr lang="de-DE" dirty="0"/>
           </a:p>
         </p:txBody>
       </p:sp>
@@ -3875,19 +3885,11 @@
           <a:p>
             <a:r>
               <a:rPr lang="de-DE" dirty="0"/>
-              <a:t>List </a:t>
-            </a:r>
-            <a:r>
-              <a:rPr lang="de-DE" dirty="0" err="1"/>
-              <a:t>of</a:t>
-            </a:r>
-            <a:r>
-              <a:rPr lang="de-DE" dirty="0"/>
-              <a:t> </a:t>
-            </a:r>
-            <a:r>
-              <a:rPr lang="de-DE" dirty="0" err="1"/>
-              <a:t>Passengers</a:t>
+              <a:t>Passenger </a:t>
+            </a:r>
+            <a:r>
+              <a:rPr lang="de-DE"/>
+              <a:t>list</a:t>
             </a:r>
             <a:endParaRPr lang="de-DE" dirty="0"/>
           </a:p>
